--- a/Final Project/Testing/magenta project testing_4조.pptx
+++ b/Final Project/Testing/magenta project testing_4조.pptx
@@ -11,28 +11,26 @@
     <p:sldId id="457" r:id="rId5"/>
     <p:sldId id="458" r:id="rId6"/>
     <p:sldId id="459" r:id="rId7"/>
-    <p:sldId id="460" r:id="rId8"/>
-    <p:sldId id="461" r:id="rId9"/>
   </p:sldIdLst>
   <p:sldSz cx="12192000" cy="6858000"/>
   <p:notesSz cx="6858000" cy="9144000"/>
   <p:embeddedFontLst>
     <p:embeddedFont>
       <p:font typeface="맑은 고딕" panose="020B0503020000020004" pitchFamily="50" charset="-127"/>
-      <p:regular r:id="rId10"/>
-      <p:bold r:id="rId11"/>
+      <p:regular r:id="rId8"/>
+      <p:bold r:id="rId9"/>
+    </p:embeddedFont>
+    <p:embeddedFont>
+      <p:font typeface="야놀자 야체 B" panose="020B0600000101010101" charset="-127"/>
+      <p:bold r:id="rId10"/>
     </p:embeddedFont>
     <p:embeddedFont>
       <p:font typeface="Eras Demi ITC" panose="020B0805030504020804" pitchFamily="34" charset="0"/>
-      <p:regular r:id="rId12"/>
-    </p:embeddedFont>
-    <p:embeddedFont>
-      <p:font typeface="야놀자 야체 B" panose="020B0600000101010101" charset="-127"/>
-      <p:bold r:id="rId13"/>
+      <p:regular r:id="rId11"/>
     </p:embeddedFont>
     <p:embeddedFont>
       <p:font typeface="HY헤드라인M" panose="02030600000101010101" pitchFamily="18" charset="-127"/>
-      <p:regular r:id="rId14"/>
+      <p:regular r:id="rId12"/>
     </p:embeddedFont>
   </p:embeddedFontLst>
   <p:defaultTextStyle>
@@ -5699,586 +5697,6 @@
 </p:sld>
 </file>
 
-<file path=ppt/slides/slide7.xml><?xml version="1.0" encoding="utf-8"?>
-<p:sld xmlns:a="http://schemas.openxmlformats.org/drawingml/2006/main" xmlns:r="http://schemas.openxmlformats.org/officeDocument/2006/relationships" xmlns:p="http://schemas.openxmlformats.org/presentationml/2006/main">
-  <p:cSld>
-    <p:bg>
-      <p:bgPr>
-        <a:solidFill>
-          <a:srgbClr val="E0D8CD"/>
-        </a:solidFill>
-        <a:effectLst/>
-      </p:bgPr>
-    </p:bg>
-    <p:spTree>
-      <p:nvGrpSpPr>
-        <p:cNvPr id="1" name=""/>
-        <p:cNvGrpSpPr/>
-        <p:nvPr/>
-      </p:nvGrpSpPr>
-      <p:grpSpPr>
-        <a:xfrm>
-          <a:off x="0" y="0"/>
-          <a:ext cx="0" cy="0"/>
-          <a:chOff x="0" y="0"/>
-          <a:chExt cx="0" cy="0"/>
-        </a:xfrm>
-      </p:grpSpPr>
-      <p:sp>
-        <p:nvSpPr>
-          <p:cNvPr id="5" name="직각 삼각형 4"/>
-          <p:cNvSpPr/>
-          <p:nvPr/>
-        </p:nvSpPr>
-        <p:spPr>
-          <a:xfrm flipV="1">
-            <a:off x="0" y="0"/>
-            <a:ext cx="2946401" cy="1725793"/>
-          </a:xfrm>
-          <a:prstGeom prst="rtTriangle">
-            <a:avLst/>
-          </a:prstGeom>
-          <a:solidFill>
-            <a:schemeClr val="tx1">
-              <a:lumMod val="65000"/>
-              <a:lumOff val="35000"/>
-            </a:schemeClr>
-          </a:solidFill>
-          <a:ln>
-            <a:noFill/>
-          </a:ln>
-        </p:spPr>
-        <p:style>
-          <a:lnRef idx="2">
-            <a:schemeClr val="accent1">
-              <a:shade val="50000"/>
-            </a:schemeClr>
-          </a:lnRef>
-          <a:fillRef idx="1">
-            <a:schemeClr val="accent1"/>
-          </a:fillRef>
-          <a:effectRef idx="0">
-            <a:schemeClr val="accent1"/>
-          </a:effectRef>
-          <a:fontRef idx="minor">
-            <a:schemeClr val="lt1"/>
-          </a:fontRef>
-        </p:style>
-        <p:txBody>
-          <a:bodyPr rtlCol="0" anchor="ctr"/>
-          <a:lstStyle/>
-          <a:p>
-            <a:pPr algn="ctr"/>
-            <a:endParaRPr lang="ko-KR" altLang="en-US" dirty="0">
-              <a:solidFill>
-                <a:prstClr val="white"/>
-              </a:solidFill>
-            </a:endParaRPr>
-          </a:p>
-        </p:txBody>
-      </p:sp>
-      <p:sp>
-        <p:nvSpPr>
-          <p:cNvPr id="79" name="직각 삼각형 78"/>
-          <p:cNvSpPr/>
-          <p:nvPr/>
-        </p:nvSpPr>
-        <p:spPr>
-          <a:xfrm rot="10800000" flipV="1">
-            <a:off x="10782927" y="6032665"/>
-            <a:ext cx="1409073" cy="825335"/>
-          </a:xfrm>
-          <a:prstGeom prst="rtTriangle">
-            <a:avLst/>
-          </a:prstGeom>
-          <a:solidFill>
-            <a:schemeClr val="tx1">
-              <a:lumMod val="65000"/>
-              <a:lumOff val="35000"/>
-            </a:schemeClr>
-          </a:solidFill>
-          <a:ln>
-            <a:noFill/>
-          </a:ln>
-          <a:effectLst>
-            <a:innerShdw dist="292100" dir="16200000">
-              <a:srgbClr val="87540F"/>
-            </a:innerShdw>
-          </a:effectLst>
-        </p:spPr>
-        <p:style>
-          <a:lnRef idx="2">
-            <a:schemeClr val="accent1">
-              <a:shade val="50000"/>
-            </a:schemeClr>
-          </a:lnRef>
-          <a:fillRef idx="1">
-            <a:schemeClr val="accent1"/>
-          </a:fillRef>
-          <a:effectRef idx="0">
-            <a:schemeClr val="accent1"/>
-          </a:effectRef>
-          <a:fontRef idx="minor">
-            <a:schemeClr val="lt1"/>
-          </a:fontRef>
-        </p:style>
-        <p:txBody>
-          <a:bodyPr rtlCol="0" anchor="ctr"/>
-          <a:lstStyle/>
-          <a:p>
-            <a:pPr algn="ctr"/>
-            <a:endParaRPr lang="ko-KR" altLang="en-US">
-              <a:solidFill>
-                <a:prstClr val="white"/>
-              </a:solidFill>
-            </a:endParaRPr>
-          </a:p>
-        </p:txBody>
-      </p:sp>
-      <p:pic>
-        <p:nvPicPr>
-          <p:cNvPr id="3" name="그림 2" descr="화면 캡처"/>
-          <p:cNvPicPr>
-            <a:picLocks noChangeAspect="1"/>
-          </p:cNvPicPr>
-          <p:nvPr/>
-        </p:nvPicPr>
-        <p:blipFill>
-          <a:blip r:embed="rId2">
-            <a:extLst>
-              <a:ext uri="{28A0092B-C50C-407E-A947-70E740481C1C}">
-                <a14:useLocalDpi xmlns:a14="http://schemas.microsoft.com/office/drawing/2010/main" val="0"/>
-              </a:ext>
-            </a:extLst>
-          </a:blip>
-          <a:stretch>
-            <a:fillRect/>
-          </a:stretch>
-        </p:blipFill>
-        <p:spPr>
-          <a:xfrm>
-            <a:off x="2230960" y="1322658"/>
-            <a:ext cx="7753299" cy="5221077"/>
-          </a:xfrm>
-          <a:prstGeom prst="rect">
-            <a:avLst/>
-          </a:prstGeom>
-        </p:spPr>
-      </p:pic>
-      <p:sp>
-        <p:nvSpPr>
-          <p:cNvPr id="4" name="직사각형 3"/>
-          <p:cNvSpPr/>
-          <p:nvPr/>
-        </p:nvSpPr>
-        <p:spPr>
-          <a:xfrm>
-            <a:off x="2459815" y="338164"/>
-            <a:ext cx="7295587" cy="646331"/>
-          </a:xfrm>
-          <a:prstGeom prst="rect">
-            <a:avLst/>
-          </a:prstGeom>
-          <a:noFill/>
-        </p:spPr>
-        <p:txBody>
-          <a:bodyPr wrap="none" lIns="91440" tIns="45720" rIns="91440" bIns="45720">
-            <a:spAutoFit/>
-          </a:bodyPr>
-          <a:lstStyle/>
-          <a:p>
-            <a:pPr algn="ctr"/>
-            <a:r>
-              <a:rPr lang="ko-KR" altLang="en-US" sz="3600" b="1" dirty="0" smtClean="0">
-                <a:ln/>
-                <a:pattFill prst="dkUpDiag">
-                  <a:fgClr>
-                    <a:prstClr val="white">
-                      <a:lumMod val="50000"/>
-                    </a:prstClr>
-                  </a:fgClr>
-                  <a:bgClr>
-                    <a:prstClr val="black">
-                      <a:lumMod val="75000"/>
-                      <a:lumOff val="25000"/>
-                    </a:prstClr>
-                  </a:bgClr>
-                </a:pattFill>
-                <a:effectLst>
-                  <a:outerShdw blurRad="38100" dist="19050" dir="2700000" algn="tl" rotWithShape="0">
-                    <a:prstClr val="black">
-                      <a:lumMod val="50000"/>
-                      <a:alpha val="40000"/>
-                    </a:prstClr>
-                  </a:outerShdw>
-                </a:effectLst>
-              </a:rPr>
-              <a:t>프로젝트 실행에 필요한 모듈 </a:t>
-            </a:r>
-            <a:r>
-              <a:rPr lang="ko-KR" altLang="en-US" sz="3600" b="1" dirty="0" err="1" smtClean="0">
-                <a:ln/>
-                <a:pattFill prst="dkUpDiag">
-                  <a:fgClr>
-                    <a:prstClr val="white">
-                      <a:lumMod val="50000"/>
-                    </a:prstClr>
-                  </a:fgClr>
-                  <a:bgClr>
-                    <a:prstClr val="black">
-                      <a:lumMod val="75000"/>
-                      <a:lumOff val="25000"/>
-                    </a:prstClr>
-                  </a:bgClr>
-                </a:pattFill>
-                <a:effectLst>
-                  <a:outerShdw blurRad="38100" dist="19050" dir="2700000" algn="tl" rotWithShape="0">
-                    <a:prstClr val="black">
-                      <a:lumMod val="50000"/>
-                      <a:alpha val="40000"/>
-                    </a:prstClr>
-                  </a:outerShdw>
-                </a:effectLst>
-              </a:rPr>
-              <a:t>세팅</a:t>
-            </a:r>
-            <a:endParaRPr lang="en-US" altLang="ko-KR" sz="3600" b="1" dirty="0">
-              <a:ln/>
-              <a:pattFill prst="dkUpDiag">
-                <a:fgClr>
-                  <a:prstClr val="white">
-                    <a:lumMod val="50000"/>
-                  </a:prstClr>
-                </a:fgClr>
-                <a:bgClr>
-                  <a:prstClr val="black">
-                    <a:lumMod val="75000"/>
-                    <a:lumOff val="25000"/>
-                  </a:prstClr>
-                </a:bgClr>
-              </a:pattFill>
-              <a:effectLst>
-                <a:outerShdw blurRad="38100" dist="19050" dir="2700000" algn="tl" rotWithShape="0">
-                  <a:prstClr val="black">
-                    <a:lumMod val="50000"/>
-                    <a:alpha val="40000"/>
-                  </a:prstClr>
-                </a:outerShdw>
-              </a:effectLst>
-            </a:endParaRPr>
-          </a:p>
-        </p:txBody>
-      </p:sp>
-    </p:spTree>
-    <p:extLst>
-      <p:ext uri="{BB962C8B-B14F-4D97-AF65-F5344CB8AC3E}">
-        <p14:creationId xmlns:p14="http://schemas.microsoft.com/office/powerpoint/2010/main" val="3412956980"/>
-      </p:ext>
-    </p:extLst>
-  </p:cSld>
-  <p:clrMapOvr>
-    <a:masterClrMapping/>
-  </p:clrMapOvr>
-  <p:timing>
-    <p:tnLst>
-      <p:par>
-        <p:cTn id="1" dur="indefinite" restart="never" nodeType="tmRoot"/>
-      </p:par>
-    </p:tnLst>
-  </p:timing>
-</p:sld>
-</file>
-
-<file path=ppt/slides/slide8.xml><?xml version="1.0" encoding="utf-8"?>
-<p:sld xmlns:a="http://schemas.openxmlformats.org/drawingml/2006/main" xmlns:r="http://schemas.openxmlformats.org/officeDocument/2006/relationships" xmlns:p="http://schemas.openxmlformats.org/presentationml/2006/main">
-  <p:cSld>
-    <p:bg>
-      <p:bgPr>
-        <a:solidFill>
-          <a:srgbClr val="E0D8CD"/>
-        </a:solidFill>
-        <a:effectLst/>
-      </p:bgPr>
-    </p:bg>
-    <p:spTree>
-      <p:nvGrpSpPr>
-        <p:cNvPr id="1" name=""/>
-        <p:cNvGrpSpPr/>
-        <p:nvPr/>
-      </p:nvGrpSpPr>
-      <p:grpSpPr>
-        <a:xfrm>
-          <a:off x="0" y="0"/>
-          <a:ext cx="0" cy="0"/>
-          <a:chOff x="0" y="0"/>
-          <a:chExt cx="0" cy="0"/>
-        </a:xfrm>
-      </p:grpSpPr>
-      <p:sp>
-        <p:nvSpPr>
-          <p:cNvPr id="5" name="직각 삼각형 4"/>
-          <p:cNvSpPr/>
-          <p:nvPr/>
-        </p:nvSpPr>
-        <p:spPr>
-          <a:xfrm flipV="1">
-            <a:off x="0" y="0"/>
-            <a:ext cx="2946401" cy="1725793"/>
-          </a:xfrm>
-          <a:prstGeom prst="rtTriangle">
-            <a:avLst/>
-          </a:prstGeom>
-          <a:solidFill>
-            <a:schemeClr val="tx1">
-              <a:lumMod val="65000"/>
-              <a:lumOff val="35000"/>
-            </a:schemeClr>
-          </a:solidFill>
-          <a:ln>
-            <a:noFill/>
-          </a:ln>
-        </p:spPr>
-        <p:style>
-          <a:lnRef idx="2">
-            <a:schemeClr val="accent1">
-              <a:shade val="50000"/>
-            </a:schemeClr>
-          </a:lnRef>
-          <a:fillRef idx="1">
-            <a:schemeClr val="accent1"/>
-          </a:fillRef>
-          <a:effectRef idx="0">
-            <a:schemeClr val="accent1"/>
-          </a:effectRef>
-          <a:fontRef idx="minor">
-            <a:schemeClr val="lt1"/>
-          </a:fontRef>
-        </p:style>
-        <p:txBody>
-          <a:bodyPr rtlCol="0" anchor="ctr"/>
-          <a:lstStyle/>
-          <a:p>
-            <a:pPr algn="ctr"/>
-            <a:endParaRPr lang="ko-KR" altLang="en-US" dirty="0">
-              <a:solidFill>
-                <a:prstClr val="white"/>
-              </a:solidFill>
-            </a:endParaRPr>
-          </a:p>
-        </p:txBody>
-      </p:sp>
-      <p:sp>
-        <p:nvSpPr>
-          <p:cNvPr id="79" name="직각 삼각형 78"/>
-          <p:cNvSpPr/>
-          <p:nvPr/>
-        </p:nvSpPr>
-        <p:spPr>
-          <a:xfrm rot="10800000" flipV="1">
-            <a:off x="10782927" y="6032665"/>
-            <a:ext cx="1409073" cy="825335"/>
-          </a:xfrm>
-          <a:prstGeom prst="rtTriangle">
-            <a:avLst/>
-          </a:prstGeom>
-          <a:solidFill>
-            <a:schemeClr val="tx1">
-              <a:lumMod val="65000"/>
-              <a:lumOff val="35000"/>
-            </a:schemeClr>
-          </a:solidFill>
-          <a:ln>
-            <a:noFill/>
-          </a:ln>
-          <a:effectLst>
-            <a:innerShdw dist="292100" dir="16200000">
-              <a:srgbClr val="87540F"/>
-            </a:innerShdw>
-          </a:effectLst>
-        </p:spPr>
-        <p:style>
-          <a:lnRef idx="2">
-            <a:schemeClr val="accent1">
-              <a:shade val="50000"/>
-            </a:schemeClr>
-          </a:lnRef>
-          <a:fillRef idx="1">
-            <a:schemeClr val="accent1"/>
-          </a:fillRef>
-          <a:effectRef idx="0">
-            <a:schemeClr val="accent1"/>
-          </a:effectRef>
-          <a:fontRef idx="minor">
-            <a:schemeClr val="lt1"/>
-          </a:fontRef>
-        </p:style>
-        <p:txBody>
-          <a:bodyPr rtlCol="0" anchor="ctr"/>
-          <a:lstStyle/>
-          <a:p>
-            <a:pPr algn="ctr"/>
-            <a:endParaRPr lang="ko-KR" altLang="en-US">
-              <a:solidFill>
-                <a:prstClr val="white"/>
-              </a:solidFill>
-            </a:endParaRPr>
-          </a:p>
-        </p:txBody>
-      </p:sp>
-      <p:pic>
-        <p:nvPicPr>
-          <p:cNvPr id="3" name="그림 2" descr="화면 캡처"/>
-          <p:cNvPicPr>
-            <a:picLocks noChangeAspect="1"/>
-          </p:cNvPicPr>
-          <p:nvPr/>
-        </p:nvPicPr>
-        <p:blipFill>
-          <a:blip r:embed="rId2">
-            <a:extLst>
-              <a:ext uri="{28A0092B-C50C-407E-A947-70E740481C1C}">
-                <a14:useLocalDpi xmlns:a14="http://schemas.microsoft.com/office/drawing/2010/main" val="0"/>
-              </a:ext>
-            </a:extLst>
-          </a:blip>
-          <a:stretch>
-            <a:fillRect/>
-          </a:stretch>
-        </p:blipFill>
-        <p:spPr>
-          <a:xfrm>
-            <a:off x="2230960" y="1322658"/>
-            <a:ext cx="7753299" cy="5221077"/>
-          </a:xfrm>
-          <a:prstGeom prst="rect">
-            <a:avLst/>
-          </a:prstGeom>
-        </p:spPr>
-      </p:pic>
-      <p:sp>
-        <p:nvSpPr>
-          <p:cNvPr id="4" name="직사각형 3"/>
-          <p:cNvSpPr/>
-          <p:nvPr/>
-        </p:nvSpPr>
-        <p:spPr>
-          <a:xfrm>
-            <a:off x="2459815" y="338164"/>
-            <a:ext cx="7295587" cy="646331"/>
-          </a:xfrm>
-          <a:prstGeom prst="rect">
-            <a:avLst/>
-          </a:prstGeom>
-          <a:noFill/>
-        </p:spPr>
-        <p:txBody>
-          <a:bodyPr wrap="none" lIns="91440" tIns="45720" rIns="91440" bIns="45720">
-            <a:spAutoFit/>
-          </a:bodyPr>
-          <a:lstStyle/>
-          <a:p>
-            <a:pPr algn="ctr"/>
-            <a:r>
-              <a:rPr lang="ko-KR" altLang="en-US" sz="3600" b="1" dirty="0" smtClean="0">
-                <a:ln/>
-                <a:pattFill prst="dkUpDiag">
-                  <a:fgClr>
-                    <a:prstClr val="white">
-                      <a:lumMod val="50000"/>
-                    </a:prstClr>
-                  </a:fgClr>
-                  <a:bgClr>
-                    <a:prstClr val="black">
-                      <a:lumMod val="75000"/>
-                      <a:lumOff val="25000"/>
-                    </a:prstClr>
-                  </a:bgClr>
-                </a:pattFill>
-                <a:effectLst>
-                  <a:outerShdw blurRad="38100" dist="19050" dir="2700000" algn="tl" rotWithShape="0">
-                    <a:prstClr val="black">
-                      <a:lumMod val="50000"/>
-                      <a:alpha val="40000"/>
-                    </a:prstClr>
-                  </a:outerShdw>
-                </a:effectLst>
-              </a:rPr>
-              <a:t>프로젝트 실행에 필요한 모듈 </a:t>
-            </a:r>
-            <a:r>
-              <a:rPr lang="ko-KR" altLang="en-US" sz="3600" b="1" dirty="0" err="1" smtClean="0">
-                <a:ln/>
-                <a:pattFill prst="dkUpDiag">
-                  <a:fgClr>
-                    <a:prstClr val="white">
-                      <a:lumMod val="50000"/>
-                    </a:prstClr>
-                  </a:fgClr>
-                  <a:bgClr>
-                    <a:prstClr val="black">
-                      <a:lumMod val="75000"/>
-                      <a:lumOff val="25000"/>
-                    </a:prstClr>
-                  </a:bgClr>
-                </a:pattFill>
-                <a:effectLst>
-                  <a:outerShdw blurRad="38100" dist="19050" dir="2700000" algn="tl" rotWithShape="0">
-                    <a:prstClr val="black">
-                      <a:lumMod val="50000"/>
-                      <a:alpha val="40000"/>
-                    </a:prstClr>
-                  </a:outerShdw>
-                </a:effectLst>
-              </a:rPr>
-              <a:t>세팅</a:t>
-            </a:r>
-            <a:endParaRPr lang="en-US" altLang="ko-KR" sz="3600" b="1" dirty="0">
-              <a:ln/>
-              <a:pattFill prst="dkUpDiag">
-                <a:fgClr>
-                  <a:prstClr val="white">
-                    <a:lumMod val="50000"/>
-                  </a:prstClr>
-                </a:fgClr>
-                <a:bgClr>
-                  <a:prstClr val="black">
-                    <a:lumMod val="75000"/>
-                    <a:lumOff val="25000"/>
-                  </a:prstClr>
-                </a:bgClr>
-              </a:pattFill>
-              <a:effectLst>
-                <a:outerShdw blurRad="38100" dist="19050" dir="2700000" algn="tl" rotWithShape="0">
-                  <a:prstClr val="black">
-                    <a:lumMod val="50000"/>
-                    <a:alpha val="40000"/>
-                  </a:prstClr>
-                </a:outerShdw>
-              </a:effectLst>
-            </a:endParaRPr>
-          </a:p>
-        </p:txBody>
-      </p:sp>
-    </p:spTree>
-    <p:extLst>
-      <p:ext uri="{BB962C8B-B14F-4D97-AF65-F5344CB8AC3E}">
-        <p14:creationId xmlns:p14="http://schemas.microsoft.com/office/powerpoint/2010/main" val="2142324899"/>
-      </p:ext>
-    </p:extLst>
-  </p:cSld>
-  <p:clrMapOvr>
-    <a:masterClrMapping/>
-  </p:clrMapOvr>
-  <p:timing>
-    <p:tnLst>
-      <p:par>
-        <p:cTn id="1" dur="indefinite" restart="never" nodeType="tmRoot"/>
-      </p:par>
-    </p:tnLst>
-  </p:timing>
-</p:sld>
-</file>
-
 <file path=ppt/theme/theme1.xml><?xml version="1.0" encoding="utf-8"?>
 <a:theme xmlns:a="http://schemas.openxmlformats.org/drawingml/2006/main" name="Office 테마">
   <a:themeElements>
